--- a/output/pptxpresentation.pptx
+++ b/output/pptxpresentation.pptx
@@ -3461,7 +3461,7 @@
       </p:sp>
       <p:pic>
         <p:nvPicPr>
-          <p:cNvPr descr="fig:  contd/docx/02n.a1.hvdoc.png" id="0" name="Picture 1"/>
+          <p:cNvPr descr="contd/docx/02n.a1.hvdoc.png" id="0" name="Picture 1"/>
           <p:cNvPicPr>
             <a:picLocks noGrp="1" noChangeAspect="1"/>
           </p:cNvPicPr>
